--- a/outputs/05_outputs_figures/05_figure4raw.pptx
+++ b/outputs/05_outputs_figures/05_figure4raw.pptx
@@ -18117,7 +18117,7 @@
                 </a:spcAft>
               </a:pPr>
               <a:r>
-                <a:rPr sz="960">
+                <a:rPr sz="960" dirty="0">
                   <a:solidFill>
                     <a:srgbClr val="999999">
                       <a:alpha val="100000"/>
@@ -34593,16 +34593,16 @@
       </p:grpSpPr>
       <p:grpSp>
         <p:nvGrpSpPr>
-          <p:cNvPr id="439" name="Group 438"/>
+          <p:cNvPr id="440" name="Group 439"/>
           <p:cNvGrpSpPr/>
           <p:nvPr/>
         </p:nvGrpSpPr>
         <p:grpSpPr>
           <a:xfrm>
-            <a:off x="777081" y="1038225"/>
-            <a:ext cx="9144000" cy="5486400"/>
-            <a:chOff x="777081" y="1038225"/>
-            <a:chExt cx="9144000" cy="5486400"/>
+            <a:off x="2053422" y="1381708"/>
+            <a:ext cx="6026075" cy="4889665"/>
+            <a:chOff x="2053422" y="1381708"/>
+            <a:chExt cx="6026075" cy="4889665"/>
           </a:xfrm>
         </p:grpSpPr>
         <p:grpSp>
@@ -34613,49 +34613,12 @@
           </p:nvGrpSpPr>
           <p:grpSpPr>
             <a:xfrm>
-              <a:off x="777081" y="1038225"/>
-              <a:ext cx="9144000" cy="5486400"/>
-              <a:chOff x="777081" y="1038225"/>
-              <a:chExt cx="9144000" cy="5486400"/>
+              <a:off x="2423440" y="1381708"/>
+              <a:ext cx="5656057" cy="4889665"/>
+              <a:chOff x="2423440" y="1381708"/>
+              <a:chExt cx="5656057" cy="4889665"/>
             </a:xfrm>
           </p:grpSpPr>
-          <p:sp>
-            <p:nvSpPr>
-              <p:cNvPr id="3" name="rc3"/>
-              <p:cNvSpPr/>
-              <p:nvPr/>
-            </p:nvSpPr>
-            <p:spPr>
-              <a:xfrm>
-                <a:off x="777081" y="1038225"/>
-                <a:ext cx="9144000" cy="5486400"/>
-              </a:xfrm>
-              <a:prstGeom prst="rect">
-                <a:avLst/>
-              </a:prstGeom>
-              <a:solidFill>
-                <a:srgbClr val="FFFFFF">
-                  <a:alpha val="100000"/>
-                </a:srgbClr>
-              </a:solidFill>
-              <a:ln w="9525" cap="rnd">
-                <a:solidFill>
-                  <a:srgbClr val="FFFFFF">
-                    <a:alpha val="100000"/>
-                  </a:srgbClr>
-                </a:solidFill>
-                <a:prstDash val="solid"/>
-                <a:round/>
-              </a:ln>
-            </p:spPr>
-            <p:txBody>
-              <a:bodyPr/>
-              <a:lstStyle/>
-              <a:p>
-                <a:endParaRPr/>
-              </a:p>
-            </p:txBody>
-          </p:sp>
           <p:sp>
             <p:nvSpPr>
               <p:cNvPr id="4" name="rc4"/>
